--- a/Report/de cuong pre.pptx
+++ b/Report/de cuong pre.pptx
@@ -217,7 +217,7 @@
           <a:p>
             <a:fld id="{B254F1C8-CC3D-498E-B2CE-23BA4A379260}" type="datetimeFigureOut">
               <a:rPr lang="en-US" smtClean="0"/>
-              <a:t>6/9/2015</a:t>
+              <a:t>6/10/2015</a:t>
             </a:fld>
             <a:endParaRPr lang="en-US"/>
           </a:p>
@@ -750,7 +750,7 @@
           <a:p>
             <a:fld id="{B329DD22-3901-4017-BEC8-FE8750DFA061}" type="datetime1">
               <a:rPr lang="en-US" smtClean="0"/>
-              <a:t>6/9/2015</a:t>
+              <a:t>6/10/2015</a:t>
             </a:fld>
             <a:endParaRPr lang="en-US"/>
           </a:p>
@@ -924,7 +924,7 @@
           <a:p>
             <a:fld id="{115BC933-04EF-4125-ADB5-D4BD0A1A7597}" type="datetime1">
               <a:rPr lang="en-US" smtClean="0"/>
-              <a:t>6/9/2015</a:t>
+              <a:t>6/10/2015</a:t>
             </a:fld>
             <a:endParaRPr lang="en-US"/>
           </a:p>
@@ -1108,7 +1108,7 @@
           <a:p>
             <a:fld id="{17EB61BA-192C-433C-B416-72651F1A78EB}" type="datetime1">
               <a:rPr lang="en-US" smtClean="0"/>
-              <a:t>6/9/2015</a:t>
+              <a:t>6/10/2015</a:t>
             </a:fld>
             <a:endParaRPr lang="en-US"/>
           </a:p>
@@ -1282,7 +1282,7 @@
           <a:p>
             <a:fld id="{A7AAD14A-2C09-4031-875B-FB5485C85F52}" type="datetime1">
               <a:rPr lang="en-US" smtClean="0"/>
-              <a:t>6/9/2015</a:t>
+              <a:t>6/10/2015</a:t>
             </a:fld>
             <a:endParaRPr lang="en-US"/>
           </a:p>
@@ -1532,7 +1532,7 @@
           <a:p>
             <a:fld id="{5F71CD92-15F1-49C0-B076-705046C4361F}" type="datetime1">
               <a:rPr lang="en-US" smtClean="0"/>
-              <a:t>6/9/2015</a:t>
+              <a:t>6/10/2015</a:t>
             </a:fld>
             <a:endParaRPr lang="en-US"/>
           </a:p>
@@ -1824,7 +1824,7 @@
           <a:p>
             <a:fld id="{114BFDAB-3BD4-4BC8-9BA6-6E4ABE132CE6}" type="datetime1">
               <a:rPr lang="en-US" smtClean="0"/>
-              <a:t>6/9/2015</a:t>
+              <a:t>6/10/2015</a:t>
             </a:fld>
             <a:endParaRPr lang="en-US"/>
           </a:p>
@@ -2250,7 +2250,7 @@
           <a:p>
             <a:fld id="{34FCCD49-AB6B-49EC-B1AF-BDD79E29A726}" type="datetime1">
               <a:rPr lang="en-US" smtClean="0"/>
-              <a:t>6/9/2015</a:t>
+              <a:t>6/10/2015</a:t>
             </a:fld>
             <a:endParaRPr lang="en-US"/>
           </a:p>
@@ -2372,7 +2372,7 @@
           <a:p>
             <a:fld id="{0E5F5D71-C980-4D30-8EE3-BAE218D8A89F}" type="datetime1">
               <a:rPr lang="en-US" smtClean="0"/>
-              <a:t>6/9/2015</a:t>
+              <a:t>6/10/2015</a:t>
             </a:fld>
             <a:endParaRPr lang="en-US"/>
           </a:p>
@@ -2471,7 +2471,7 @@
           <a:p>
             <a:fld id="{3AF8CC4E-4914-4E8E-BF6E-87F5D8F00C88}" type="datetime1">
               <a:rPr lang="en-US" smtClean="0"/>
-              <a:t>6/9/2015</a:t>
+              <a:t>6/10/2015</a:t>
             </a:fld>
             <a:endParaRPr lang="en-US"/>
           </a:p>
@@ -2752,7 +2752,7 @@
           <a:p>
             <a:fld id="{40A97A51-EA70-40F7-9C72-010BE2156940}" type="datetime1">
               <a:rPr lang="en-US" smtClean="0"/>
-              <a:t>6/9/2015</a:t>
+              <a:t>6/10/2015</a:t>
             </a:fld>
             <a:endParaRPr lang="en-US"/>
           </a:p>
@@ -3009,7 +3009,7 @@
           <a:p>
             <a:fld id="{81C508AD-95BA-4196-BE39-DD6DCC1516CB}" type="datetime1">
               <a:rPr lang="en-US" smtClean="0"/>
-              <a:t>6/9/2015</a:t>
+              <a:t>6/10/2015</a:t>
             </a:fld>
             <a:endParaRPr lang="en-US"/>
           </a:p>
@@ -3226,7 +3226,7 @@
           <a:p>
             <a:fld id="{21D2C01F-FF40-4B38-A4B4-3E540EF55F9E}" type="datetime1">
               <a:rPr lang="en-US" smtClean="0"/>
-              <a:t>6/9/2015</a:t>
+              <a:t>6/10/2015</a:t>
             </a:fld>
             <a:endParaRPr lang="en-US"/>
           </a:p>
@@ -3711,13 +3711,7 @@
               <a:rPr lang="en-US" sz="2400" b="1" i="1" dirty="0" smtClean="0">
                 <a:latin typeface="+mj-lt"/>
               </a:rPr>
-              <a:t>HV</a:t>
-            </a:r>
-            <a:r>
-              <a:rPr lang="en-US" sz="2400" b="1" i="1" dirty="0" smtClean="0">
-                <a:latin typeface="+mj-lt"/>
-              </a:rPr>
-              <a:t>:</a:t>
+              <a:t>HV:</a:t>
             </a:r>
             <a:r>
               <a:rPr lang="en-US" sz="2400" b="1" dirty="0" smtClean="0">
@@ -7568,8 +7562,8 @@
           </a:p>
         </p:txBody>
       </p:sp>
-      <mc:AlternateContent xmlns:mc="http://schemas.openxmlformats.org/markup-compatibility/2006">
-        <mc:Choice xmlns:a14="http://schemas.microsoft.com/office/drawing/2010/main" Requires="a14">
+      <mc:AlternateContent xmlns:mc="http://schemas.openxmlformats.org/markup-compatibility/2006" xmlns:a14="http://schemas.microsoft.com/office/drawing/2010/main">
+        <mc:Choice Requires="a14">
           <p:sp>
             <p:nvSpPr>
               <p:cNvPr id="3" name="Content Placeholder 2"/>
@@ -7671,37 +7665,49 @@
                       <m:dPr>
                         <m:begChr m:val=""/>
                         <m:ctrlPr>
-                          <a:rPr lang="en-US"/>
+                          <a:rPr lang="en-US" i="1">
+                            <a:latin typeface="Cambria Math"/>
+                          </a:rPr>
                         </m:ctrlPr>
                       </m:dPr>
                       <m:e>
                         <m:sSub>
                           <m:sSubPr>
                             <m:ctrlPr>
-                              <a:rPr lang="en-US"/>
+                              <a:rPr lang="en-US" i="1">
+                                <a:latin typeface="Cambria Math"/>
+                              </a:rPr>
                             </m:ctrlPr>
                           </m:sSubPr>
                           <m:e>
                             <m:r>
-                              <a:rPr lang="en-US" i="1"/>
+                              <a:rPr lang="en-US" i="1">
+                                <a:latin typeface="Cambria Math"/>
+                              </a:rPr>
                               <m:t>𝑑</m:t>
                             </m:r>
                           </m:e>
                           <m:sub>
                             <m:r>
-                              <a:rPr lang="en-US" i="1"/>
+                              <a:rPr lang="en-US" i="1">
+                                <a:latin typeface="Cambria Math"/>
+                              </a:rPr>
                               <m:t>𝑖𝑗</m:t>
                             </m:r>
                           </m:sub>
                         </m:sSub>
                         <m:r>
-                          <a:rPr lang="en-US"/>
+                          <a:rPr lang="en-US">
+                            <a:latin typeface="Cambria Math"/>
+                          </a:rPr>
                           <m:t>=</m:t>
                         </m:r>
                         <m:limLow>
                           <m:limLowPr>
                             <m:ctrlPr>
-                              <a:rPr lang="en-US" i="1"/>
+                              <a:rPr lang="en-US" i="1">
+                                <a:latin typeface="Cambria Math"/>
+                              </a:rPr>
                             </m:ctrlPr>
                           </m:limLowPr>
                           <m:e>
@@ -7709,7 +7715,9 @@
                               <m:rPr>
                                 <m:sty m:val="p"/>
                               </m:rPr>
-                              <a:rPr lang="en-US"/>
+                              <a:rPr lang="en-US">
+                                <a:latin typeface="Cambria Math"/>
+                              </a:rPr>
                               <m:t>min</m:t>
                             </m:r>
                           </m:e>
@@ -7717,12 +7725,16 @@
                             <m:sSub>
                               <m:sSubPr>
                                 <m:ctrlPr>
-                                  <a:rPr lang="en-US" i="1"/>
+                                  <a:rPr lang="en-US" i="1">
+                                    <a:latin typeface="Cambria Math"/>
+                                  </a:rPr>
                                 </m:ctrlPr>
                               </m:sSubPr>
                               <m:e>
                                 <m:r>
-                                  <a:rPr lang="en-US" i="1"/>
+                                  <a:rPr lang="en-US" i="1">
+                                    <a:latin typeface="Cambria Math"/>
+                                  </a:rPr>
                                   <m:t>𝑙</m:t>
                                 </m:r>
                               </m:e>
@@ -7731,13 +7743,17 @@
                                   <m:rPr>
                                     <m:sty m:val="p"/>
                                   </m:rPr>
-                                  <a:rPr lang="en-US"/>
+                                  <a:rPr lang="en-US">
+                                    <a:latin typeface="Cambria Math"/>
+                                  </a:rPr>
                                   <m:t>min</m:t>
                                 </m:r>
                               </m:sub>
                             </m:sSub>
                             <m:r>
-                              <a:rPr lang="en-US"/>
+                              <a:rPr lang="en-US">
+                                <a:latin typeface="Cambria Math"/>
+                              </a:rPr>
                               <m:t>≤</m:t>
                             </m:r>
                             <m:r>
@@ -7748,11 +7764,15 @@
                               <m:t> </m:t>
                             </m:r>
                             <m:r>
-                              <a:rPr lang="en-US" i="1"/>
+                              <a:rPr lang="en-US" i="1">
+                                <a:latin typeface="Cambria Math"/>
+                              </a:rPr>
                               <m:t>𝑙</m:t>
                             </m:r>
                             <m:r>
-                              <a:rPr lang="en-US"/>
+                              <a:rPr lang="en-US">
+                                <a:latin typeface="Cambria Math"/>
+                              </a:rPr>
                               <m:t>≤</m:t>
                             </m:r>
                             <m:r>
@@ -7765,12 +7785,16 @@
                             <m:sSub>
                               <m:sSubPr>
                                 <m:ctrlPr>
-                                  <a:rPr lang="en-US" i="1"/>
+                                  <a:rPr lang="en-US" i="1">
+                                    <a:latin typeface="Cambria Math"/>
+                                  </a:rPr>
                                 </m:ctrlPr>
                               </m:sSubPr>
                               <m:e>
                                 <m:r>
-                                  <a:rPr lang="en-US" i="1"/>
+                                  <a:rPr lang="en-US" i="1">
+                                    <a:latin typeface="Cambria Math"/>
+                                  </a:rPr>
                                   <m:t>𝑙</m:t>
                                 </m:r>
                               </m:e>
@@ -7779,7 +7803,9 @@
                                   <m:rPr>
                                     <m:sty m:val="p"/>
                                   </m:rPr>
-                                  <a:rPr lang="en-US"/>
+                                  <a:rPr lang="en-US">
+                                    <a:latin typeface="Cambria Math"/>
+                                  </a:rPr>
                                   <m:t>max</m:t>
                                 </m:r>
                               </m:sub>
@@ -7787,111 +7813,151 @@
                           </m:lim>
                         </m:limLow>
                         <m:r>
-                          <a:rPr lang="en-US" i="1"/>
+                          <a:rPr lang="en-US" i="1">
+                            <a:latin typeface="Cambria Math"/>
+                          </a:rPr>
                           <m:t>𝐷𝑖𝑠𝑡</m:t>
                         </m:r>
                         <m:r>
-                          <a:rPr lang="en-US"/>
+                          <a:rPr lang="en-US">
+                            <a:latin typeface="Cambria Math"/>
+                          </a:rPr>
                           <m:t>((</m:t>
                         </m:r>
                         <m:sSub>
                           <m:sSubPr>
                             <m:ctrlPr>
-                              <a:rPr lang="en-US" i="1"/>
+                              <a:rPr lang="en-US" i="1">
+                                <a:latin typeface="Cambria Math"/>
+                              </a:rPr>
                             </m:ctrlPr>
                           </m:sSubPr>
                           <m:e>
                             <m:r>
-                              <a:rPr lang="en-US" i="1"/>
+                              <a:rPr lang="en-US" i="1">
+                                <a:latin typeface="Cambria Math"/>
+                              </a:rPr>
                               <m:t>𝑠</m:t>
                             </m:r>
                           </m:e>
                           <m:sub>
                             <m:r>
-                              <a:rPr lang="en-US" i="1"/>
+                              <a:rPr lang="en-US" i="1">
+                                <a:latin typeface="Cambria Math"/>
+                              </a:rPr>
                               <m:t>𝑖</m:t>
                             </m:r>
                           </m:sub>
                         </m:sSub>
                         <m:r>
-                          <a:rPr lang="en-US"/>
+                          <a:rPr lang="en-US">
+                            <a:latin typeface="Cambria Math"/>
+                          </a:rPr>
                           <m:t>,</m:t>
                         </m:r>
                         <m:sSub>
                           <m:sSubPr>
                             <m:ctrlPr>
-                              <a:rPr lang="en-US" i="1"/>
+                              <a:rPr lang="en-US" i="1">
+                                <a:latin typeface="Cambria Math"/>
+                              </a:rPr>
                             </m:ctrlPr>
                           </m:sSubPr>
                           <m:e>
                             <m:r>
-                              <a:rPr lang="en-US" i="1"/>
+                              <a:rPr lang="en-US" i="1">
+                                <a:latin typeface="Cambria Math"/>
+                              </a:rPr>
                               <m:t>𝑒</m:t>
                             </m:r>
                           </m:e>
                           <m:sub>
                             <m:r>
-                              <a:rPr lang="en-US" i="1"/>
+                              <a:rPr lang="en-US" i="1">
+                                <a:latin typeface="Cambria Math"/>
+                              </a:rPr>
                               <m:t>𝑖</m:t>
                             </m:r>
                           </m:sub>
                         </m:sSub>
                         <m:r>
-                          <a:rPr lang="en-US"/>
+                          <a:rPr lang="en-US">
+                            <a:latin typeface="Cambria Math"/>
+                          </a:rPr>
                           <m:t>),(</m:t>
                         </m:r>
                         <m:sSub>
                           <m:sSubPr>
                             <m:ctrlPr>
-                              <a:rPr lang="en-US" i="1"/>
+                              <a:rPr lang="en-US" i="1">
+                                <a:latin typeface="Cambria Math"/>
+                              </a:rPr>
                             </m:ctrlPr>
                           </m:sSubPr>
                           <m:e>
                             <m:r>
-                              <a:rPr lang="en-US" i="1"/>
+                              <a:rPr lang="en-US" i="1">
+                                <a:latin typeface="Cambria Math"/>
+                              </a:rPr>
                               <m:t>𝑠</m:t>
                             </m:r>
                           </m:e>
                           <m:sub>
                             <m:r>
-                              <a:rPr lang="en-US" i="1"/>
+                              <a:rPr lang="en-US" i="1">
+                                <a:latin typeface="Cambria Math"/>
+                              </a:rPr>
                               <m:t>𝑗</m:t>
                             </m:r>
                           </m:sub>
                         </m:sSub>
                         <m:r>
-                          <a:rPr lang="en-US"/>
+                          <a:rPr lang="en-US">
+                            <a:latin typeface="Cambria Math"/>
+                          </a:rPr>
                           <m:t>,</m:t>
                         </m:r>
                         <m:sSub>
                           <m:sSubPr>
                             <m:ctrlPr>
-                              <a:rPr lang="en-US" i="1"/>
+                              <a:rPr lang="en-US" i="1">
+                                <a:latin typeface="Cambria Math"/>
+                              </a:rPr>
                             </m:ctrlPr>
                           </m:sSubPr>
                           <m:e>
                             <m:r>
-                              <a:rPr lang="en-US" i="1"/>
+                              <a:rPr lang="en-US" i="1">
+                                <a:latin typeface="Cambria Math"/>
+                              </a:rPr>
                               <m:t>𝑠</m:t>
                             </m:r>
                           </m:e>
                           <m:sub>
                             <m:r>
-                              <a:rPr lang="en-US" i="1"/>
+                              <a:rPr lang="en-US" i="1">
+                                <a:latin typeface="Cambria Math"/>
+                              </a:rPr>
                               <m:t>𝑗</m:t>
                             </m:r>
                           </m:sub>
                         </m:sSub>
                         <m:r>
-                          <a:rPr lang="en-US"/>
+                          <a:rPr lang="en-US">
+                            <a:latin typeface="Cambria Math"/>
+                          </a:rPr>
                           <m:t>+</m:t>
                         </m:r>
                         <m:r>
-                          <a:rPr lang="en-US" i="1"/>
+                          <a:rPr lang="en-US" i="1">
+                            <a:latin typeface="Cambria Math"/>
+                          </a:rPr>
                           <m:t>𝑙</m:t>
                         </m:r>
                         <m:r>
-                          <a:rPr lang="en-US"/>
+                          <a:rPr lang="en-US">
+                            <a:latin typeface="Cambria Math"/>
+                          </a:rPr>
                           <m:t>)</m:t>
                         </m:r>
                       </m:e>
@@ -8226,7 +8292,7 @@
             </p:txBody>
           </p:sp>
         </mc:Choice>
-        <mc:Fallback>
+        <mc:Fallback xmlns="">
           <p:sp>
             <p:nvSpPr>
               <p:cNvPr id="3" name="Content Placeholder 2"/>
@@ -8544,19 +8610,19 @@
               <a:rPr lang="en-US" sz="2400" dirty="0" err="1" smtClean="0">
                 <a:latin typeface="+mj-lt"/>
               </a:rPr>
-              <a:t>Phương</a:t>
+              <a:t>Nội</a:t>
             </a:r>
             <a:r>
               <a:rPr lang="en-US" sz="2400" dirty="0" smtClean="0">
                 <a:latin typeface="+mj-lt"/>
               </a:rPr>
-              <a:t> </a:t>
+              <a:t> dung </a:t>
             </a:r>
             <a:r>
               <a:rPr lang="en-US" sz="2400" dirty="0" err="1" smtClean="0">
                 <a:latin typeface="+mj-lt"/>
               </a:rPr>
-              <a:t>pháp</a:t>
+              <a:t>nghiên</a:t>
             </a:r>
             <a:r>
               <a:rPr lang="en-US" sz="2400" dirty="0" smtClean="0">
@@ -8568,19 +8634,7 @@
               <a:rPr lang="en-US" sz="2400" dirty="0" err="1" smtClean="0">
                 <a:latin typeface="+mj-lt"/>
               </a:rPr>
-              <a:t>đề</a:t>
-            </a:r>
-            <a:r>
-              <a:rPr lang="en-US" sz="2400" dirty="0" smtClean="0">
-                <a:latin typeface="+mj-lt"/>
-              </a:rPr>
-              <a:t> </a:t>
-            </a:r>
-            <a:r>
-              <a:rPr lang="en-US" sz="2400" dirty="0" err="1" smtClean="0">
-                <a:latin typeface="+mj-lt"/>
-              </a:rPr>
-              <a:t>xuất</a:t>
+              <a:t>cứu</a:t>
             </a:r>
             <a:endParaRPr lang="en-US" sz="2400" dirty="0" smtClean="0">
               <a:latin typeface="+mj-lt"/>
@@ -9162,11 +9216,7 @@
             </a:r>
             <a:r>
               <a:rPr lang="en-US" dirty="0"/>
-              <a:t> </a:t>
-            </a:r>
-            <a:r>
-              <a:rPr lang="en-US" dirty="0"/>
-              <a:t>=</a:t>
+              <a:t> =</a:t>
             </a:r>
             <a:r>
               <a:rPr lang="en-US" dirty="0" smtClean="0"/>
@@ -9393,31 +9443,23 @@
             </a:br>
             <a:r>
               <a:rPr lang="en-US" dirty="0" err="1" smtClean="0"/>
-              <a:t>Phương</a:t>
-            </a:r>
-            <a:r>
-              <a:rPr lang="en-US" dirty="0" smtClean="0"/>
-              <a:t> </a:t>
-            </a:r>
-            <a:r>
-              <a:rPr lang="en-US" dirty="0" err="1"/>
-              <a:t>pháp</a:t>
-            </a:r>
-            <a:r>
-              <a:rPr lang="en-US" dirty="0"/>
-              <a:t> </a:t>
-            </a:r>
-            <a:r>
-              <a:rPr lang="en-US" dirty="0" err="1"/>
-              <a:t>đề</a:t>
-            </a:r>
-            <a:r>
-              <a:rPr lang="en-US" dirty="0"/>
-              <a:t> </a:t>
-            </a:r>
-            <a:r>
-              <a:rPr lang="en-US" dirty="0" err="1"/>
-              <a:t>xuất</a:t>
+              <a:t>Nội</a:t>
+            </a:r>
+            <a:r>
+              <a:rPr lang="en-US" dirty="0" smtClean="0"/>
+              <a:t> dung </a:t>
+            </a:r>
+            <a:r>
+              <a:rPr lang="en-US" dirty="0" err="1" smtClean="0"/>
+              <a:t>nghiên</a:t>
+            </a:r>
+            <a:r>
+              <a:rPr lang="en-US" dirty="0" smtClean="0"/>
+              <a:t> </a:t>
+            </a:r>
+            <a:r>
+              <a:rPr lang="en-US" dirty="0" err="1" smtClean="0"/>
+              <a:t>cứu</a:t>
             </a:r>
             <a:r>
               <a:rPr lang="en-US" dirty="0"/>
@@ -9705,31 +9747,23 @@
           <a:p>
             <a:r>
               <a:rPr lang="en-US" dirty="0" err="1"/>
-              <a:t>Phương</a:t>
-            </a:r>
-            <a:r>
-              <a:rPr lang="en-US" dirty="0"/>
-              <a:t> </a:t>
-            </a:r>
-            <a:r>
-              <a:rPr lang="en-US" dirty="0" err="1"/>
-              <a:t>pháp</a:t>
-            </a:r>
-            <a:r>
-              <a:rPr lang="en-US" dirty="0"/>
-              <a:t> </a:t>
-            </a:r>
-            <a:r>
-              <a:rPr lang="en-US" dirty="0" err="1"/>
-              <a:t>đề</a:t>
-            </a:r>
-            <a:r>
-              <a:rPr lang="en-US" dirty="0"/>
-              <a:t> </a:t>
-            </a:r>
-            <a:r>
-              <a:rPr lang="en-US" dirty="0" err="1" smtClean="0"/>
-              <a:t>xuất</a:t>
+              <a:t>Nội</a:t>
+            </a:r>
+            <a:r>
+              <a:rPr lang="en-US" dirty="0"/>
+              <a:t> dung </a:t>
+            </a:r>
+            <a:r>
+              <a:rPr lang="en-US" dirty="0" err="1"/>
+              <a:t>nghiên</a:t>
+            </a:r>
+            <a:r>
+              <a:rPr lang="en-US" dirty="0"/>
+              <a:t> </a:t>
+            </a:r>
+            <a:r>
+              <a:rPr lang="en-US" dirty="0" err="1"/>
+              <a:t>cứu</a:t>
             </a:r>
             <a:endParaRPr lang="en-US" dirty="0"/>
           </a:p>
@@ -10105,38 +10139,30 @@
           <a:p>
             <a:r>
               <a:rPr lang="en-US" dirty="0" err="1"/>
-              <a:t>Phương</a:t>
-            </a:r>
-            <a:r>
-              <a:rPr lang="en-US" dirty="0"/>
-              <a:t> </a:t>
-            </a:r>
-            <a:r>
-              <a:rPr lang="en-US" dirty="0" err="1"/>
-              <a:t>pháp</a:t>
-            </a:r>
-            <a:r>
-              <a:rPr lang="en-US" dirty="0"/>
-              <a:t> </a:t>
-            </a:r>
-            <a:r>
-              <a:rPr lang="en-US" dirty="0" err="1"/>
-              <a:t>đề</a:t>
-            </a:r>
-            <a:r>
-              <a:rPr lang="en-US" dirty="0"/>
-              <a:t> </a:t>
-            </a:r>
-            <a:r>
-              <a:rPr lang="en-US" dirty="0" err="1"/>
-              <a:t>xuất</a:t>
+              <a:t>Nội</a:t>
+            </a:r>
+            <a:r>
+              <a:rPr lang="en-US" dirty="0"/>
+              <a:t> dung </a:t>
+            </a:r>
+            <a:r>
+              <a:rPr lang="en-US" dirty="0" err="1"/>
+              <a:t>nghiên</a:t>
+            </a:r>
+            <a:r>
+              <a:rPr lang="en-US" dirty="0"/>
+              <a:t> </a:t>
+            </a:r>
+            <a:r>
+              <a:rPr lang="en-US" dirty="0" err="1"/>
+              <a:t>cứu</a:t>
             </a:r>
             <a:endParaRPr lang="en-US" dirty="0"/>
           </a:p>
         </p:txBody>
       </p:sp>
-      <mc:AlternateContent xmlns:mc="http://schemas.openxmlformats.org/markup-compatibility/2006">
-        <mc:Choice xmlns:a14="http://schemas.microsoft.com/office/drawing/2010/main" Requires="a14">
+      <mc:AlternateContent xmlns:mc="http://schemas.openxmlformats.org/markup-compatibility/2006" xmlns:a14="http://schemas.microsoft.com/office/drawing/2010/main">
+        <mc:Choice Requires="a14">
           <p:sp>
             <p:nvSpPr>
               <p:cNvPr id="3" name="Content Placeholder 2"/>
@@ -10150,7 +10176,7 @@
             <p:spPr/>
             <p:txBody>
               <a:bodyPr>
-                <a:normAutofit lnSpcReduction="10000"/>
+                <a:normAutofit/>
               </a:bodyPr>
               <a:lstStyle/>
               <a:p>
@@ -10368,7 +10394,6 @@
                   <a:rPr lang="en-US" dirty="0"/>
                   <a:t>. </a:t>
                 </a:r>
-                <a:endParaRPr lang="en-US" dirty="0"/>
               </a:p>
               <a:p>
                 <a:r>
@@ -10431,7 +10456,6 @@
                   <a:rPr lang="en-US" dirty="0"/>
                   <a:t>. </a:t>
                 </a:r>
-                <a:endParaRPr lang="en-US" dirty="0"/>
               </a:p>
               <a:p>
                 <a:r>
@@ -10551,22 +10575,30 @@
                     <m:f>
                       <m:fPr>
                         <m:ctrlPr>
-                          <a:rPr lang="en-US"/>
+                          <a:rPr lang="en-US" i="1">
+                            <a:latin typeface="Cambria Math"/>
+                          </a:rPr>
                         </m:ctrlPr>
                       </m:fPr>
                       <m:num>
                         <m:r>
-                          <a:rPr lang="en-US" i="1"/>
+                          <a:rPr lang="en-US" i="1">
+                            <a:latin typeface="Cambria Math"/>
+                          </a:rPr>
                           <m:t>𝑛</m:t>
                         </m:r>
                         <m:r>
-                          <a:rPr lang="en-US"/>
+                          <a:rPr lang="en-US">
+                            <a:latin typeface="Cambria Math"/>
+                          </a:rPr>
                           <m:t>′</m:t>
                         </m:r>
                       </m:num>
                       <m:den>
                         <m:r>
-                          <a:rPr lang="en-US" i="1"/>
+                          <a:rPr lang="en-US" i="1">
+                            <a:latin typeface="Cambria Math"/>
+                          </a:rPr>
                           <m:t>𝑛</m:t>
                         </m:r>
                       </m:den>
@@ -10581,7 +10613,7 @@
             </p:txBody>
           </p:sp>
         </mc:Choice>
-        <mc:Fallback>
+        <mc:Fallback xmlns="">
           <p:sp>
             <p:nvSpPr>
               <p:cNvPr id="3" name="Content Placeholder 2"/>
@@ -10685,31 +10717,23 @@
           <a:p>
             <a:r>
               <a:rPr lang="en-US" dirty="0" err="1"/>
-              <a:t>Phương</a:t>
-            </a:r>
-            <a:r>
-              <a:rPr lang="en-US" dirty="0"/>
-              <a:t> </a:t>
-            </a:r>
-            <a:r>
-              <a:rPr lang="en-US" dirty="0" err="1"/>
-              <a:t>pháp</a:t>
-            </a:r>
-            <a:r>
-              <a:rPr lang="en-US" dirty="0"/>
-              <a:t> </a:t>
-            </a:r>
-            <a:r>
-              <a:rPr lang="en-US" dirty="0" err="1"/>
-              <a:t>đề</a:t>
-            </a:r>
-            <a:r>
-              <a:rPr lang="en-US" dirty="0"/>
-              <a:t> </a:t>
-            </a:r>
-            <a:r>
-              <a:rPr lang="en-US" dirty="0" err="1"/>
-              <a:t>xuất</a:t>
+              <a:t>Nội</a:t>
+            </a:r>
+            <a:r>
+              <a:rPr lang="en-US" dirty="0"/>
+              <a:t> dung </a:t>
+            </a:r>
+            <a:r>
+              <a:rPr lang="en-US" dirty="0" err="1"/>
+              <a:t>nghiên</a:t>
+            </a:r>
+            <a:r>
+              <a:rPr lang="en-US" dirty="0"/>
+              <a:t> </a:t>
+            </a:r>
+            <a:r>
+              <a:rPr lang="en-US" dirty="0" err="1"/>
+              <a:t>cứu</a:t>
             </a:r>
             <a:endParaRPr lang="en-US" dirty="0"/>
           </a:p>
@@ -12017,9 +12041,6 @@
               </a:rPr>
               <a:t>.</a:t>
             </a:r>
-            <a:endParaRPr lang="en-US" sz="2800" dirty="0" smtClean="0">
-              <a:latin typeface="+mj-lt"/>
-            </a:endParaRPr>
           </a:p>
           <a:p>
             <a:pPr marL="285750" indent="-285750">
@@ -12182,9 +12203,6 @@
               </a:rPr>
               <a:t>.</a:t>
             </a:r>
-            <a:endParaRPr lang="en-US" sz="2800" dirty="0" smtClean="0">
-              <a:latin typeface="+mj-lt"/>
-            </a:endParaRPr>
           </a:p>
           <a:p>
             <a:pPr marL="285750" indent="-285750">
@@ -12515,9 +12533,6 @@
               </a:rPr>
               <a:t>…</a:t>
             </a:r>
-            <a:endParaRPr lang="en-US" sz="2800" dirty="0" smtClean="0">
-              <a:latin typeface="+mj-lt"/>
-            </a:endParaRPr>
           </a:p>
           <a:p>
             <a:pPr marL="285750" indent="-285750">
@@ -15897,7 +15912,6 @@
               <a:rPr lang="en-US" dirty="0"/>
               <a:t>:</a:t>
             </a:r>
-            <a:endParaRPr lang="en-US" dirty="0"/>
           </a:p>
           <a:p>
             <a:pPr marL="0" lvl="0" indent="0">
